--- a/Document/presentation/Presentasi_SistemInformasiRentalMobilRPL.pptx
+++ b/Document/presentation/Presentasi_SistemInformasiRentalMobilRPL.pptx
@@ -5,7 +5,7 @@
     <p:sldMasterId id="2147483677" r:id="rId1"/>
   </p:sldMasterIdLst>
   <p:notesMasterIdLst>
-    <p:notesMasterId r:id="rId12"/>
+    <p:notesMasterId r:id="rId14"/>
   </p:notesMasterIdLst>
   <p:sldIdLst>
     <p:sldId id="256" r:id="rId2"/>
@@ -18,6 +18,8 @@
     <p:sldId id="263" r:id="rId9"/>
     <p:sldId id="265" r:id="rId10"/>
     <p:sldId id="266" r:id="rId11"/>
+    <p:sldId id="269" r:id="rId12"/>
+    <p:sldId id="270" r:id="rId13"/>
   </p:sldIdLst>
   <p:sldSz cx="12192000" cy="6858000"/>
   <p:notesSz cx="6858000" cy="9144000"/>
@@ -116,6 +118,11 @@
       </a:defRPr>
     </a:lvl9pPr>
   </p:defaultTextStyle>
+  <p:extLst>
+    <p:ext uri="{EFAFB233-063F-42B5-8137-9DF3F51BA10A}">
+      <p15:sldGuideLst xmlns:p15="http://schemas.microsoft.com/office/powerpoint/2012/main"/>
+    </p:ext>
+  </p:extLst>
 </p:presentation>
 </file>
 
@@ -1031,10 +1038,24 @@
     <dgm:pt modelId="{AD0AEF2B-C839-4CEC-BEB6-6162EF55255D}" type="pres">
       <dgm:prSet presAssocID="{3C92112A-2896-4294-9208-C2F6EEC0ED6C}" presName="gear1srcNode" presStyleLbl="node1" presStyleIdx="0" presStyleCnt="3"/>
       <dgm:spPr/>
+      <dgm:t>
+        <a:bodyPr/>
+        <a:lstStyle/>
+        <a:p>
+          <a:endParaRPr lang="en-US"/>
+        </a:p>
+      </dgm:t>
     </dgm:pt>
     <dgm:pt modelId="{7D0C3834-4C5F-46F9-8E56-BEEAA06EDDBB}" type="pres">
       <dgm:prSet presAssocID="{3C92112A-2896-4294-9208-C2F6EEC0ED6C}" presName="gear1dstNode" presStyleLbl="node1" presStyleIdx="0" presStyleCnt="3"/>
       <dgm:spPr/>
+      <dgm:t>
+        <a:bodyPr/>
+        <a:lstStyle/>
+        <a:p>
+          <a:endParaRPr lang="en-US"/>
+        </a:p>
+      </dgm:t>
     </dgm:pt>
     <dgm:pt modelId="{25F1201F-B8D4-472B-9A92-C48A17BAC77D}" type="pres">
       <dgm:prSet presAssocID="{6F92BFB5-1AD1-4770-B3E4-35CD557AFC86}" presName="gear2" presStyleLbl="node1" presStyleIdx="1" presStyleCnt="3">
@@ -1044,14 +1065,35 @@
         </dgm:presLayoutVars>
       </dgm:prSet>
       <dgm:spPr/>
+      <dgm:t>
+        <a:bodyPr/>
+        <a:lstStyle/>
+        <a:p>
+          <a:endParaRPr lang="en-US"/>
+        </a:p>
+      </dgm:t>
     </dgm:pt>
     <dgm:pt modelId="{61E0A8F4-AD02-4484-BBC3-3D1C653C0B39}" type="pres">
       <dgm:prSet presAssocID="{6F92BFB5-1AD1-4770-B3E4-35CD557AFC86}" presName="gear2srcNode" presStyleLbl="node1" presStyleIdx="1" presStyleCnt="3"/>
       <dgm:spPr/>
+      <dgm:t>
+        <a:bodyPr/>
+        <a:lstStyle/>
+        <a:p>
+          <a:endParaRPr lang="en-US"/>
+        </a:p>
+      </dgm:t>
     </dgm:pt>
     <dgm:pt modelId="{724CEE43-3D16-4C58-BF8F-18961C8E319A}" type="pres">
       <dgm:prSet presAssocID="{6F92BFB5-1AD1-4770-B3E4-35CD557AFC86}" presName="gear2dstNode" presStyleLbl="node1" presStyleIdx="1" presStyleCnt="3"/>
       <dgm:spPr/>
+      <dgm:t>
+        <a:bodyPr/>
+        <a:lstStyle/>
+        <a:p>
+          <a:endParaRPr lang="en-US"/>
+        </a:p>
+      </dgm:t>
     </dgm:pt>
     <dgm:pt modelId="{9F6A5A26-FDB8-470A-9C31-99791918668E}" type="pres">
       <dgm:prSet presAssocID="{E19476BA-D473-459E-AD7E-3B62E62FFD1A}" presName="gear3" presStyleLbl="node1" presStyleIdx="2" presStyleCnt="3"/>
@@ -1083,22 +1125,57 @@
     <dgm:pt modelId="{719A99BE-DC96-40B8-AAE0-2AC57DD3E7B7}" type="pres">
       <dgm:prSet presAssocID="{E19476BA-D473-459E-AD7E-3B62E62FFD1A}" presName="gear3srcNode" presStyleLbl="node1" presStyleIdx="2" presStyleCnt="3"/>
       <dgm:spPr/>
+      <dgm:t>
+        <a:bodyPr/>
+        <a:lstStyle/>
+        <a:p>
+          <a:endParaRPr lang="en-US"/>
+        </a:p>
+      </dgm:t>
     </dgm:pt>
     <dgm:pt modelId="{928C58D3-3B55-4925-8C9D-48A78D57F012}" type="pres">
       <dgm:prSet presAssocID="{E19476BA-D473-459E-AD7E-3B62E62FFD1A}" presName="gear3dstNode" presStyleLbl="node1" presStyleIdx="2" presStyleCnt="3"/>
       <dgm:spPr/>
+      <dgm:t>
+        <a:bodyPr/>
+        <a:lstStyle/>
+        <a:p>
+          <a:endParaRPr lang="en-US"/>
+        </a:p>
+      </dgm:t>
     </dgm:pt>
     <dgm:pt modelId="{9C43C16D-D2B5-443D-BC03-0735B02E686C}" type="pres">
       <dgm:prSet presAssocID="{7411E1B3-5F88-4F59-A9FD-0F1A22705052}" presName="connector1" presStyleLbl="sibTrans2D1" presStyleIdx="0" presStyleCnt="3"/>
       <dgm:spPr/>
+      <dgm:t>
+        <a:bodyPr/>
+        <a:lstStyle/>
+        <a:p>
+          <a:endParaRPr lang="en-US"/>
+        </a:p>
+      </dgm:t>
     </dgm:pt>
     <dgm:pt modelId="{56A0E0CC-BAF5-44B9-B39D-CF2BE7EEE8AB}" type="pres">
       <dgm:prSet presAssocID="{0083B4FA-8FD7-45DC-A579-E8207AB765B6}" presName="connector2" presStyleLbl="sibTrans2D1" presStyleIdx="1" presStyleCnt="3"/>
       <dgm:spPr/>
+      <dgm:t>
+        <a:bodyPr/>
+        <a:lstStyle/>
+        <a:p>
+          <a:endParaRPr lang="en-US"/>
+        </a:p>
+      </dgm:t>
     </dgm:pt>
     <dgm:pt modelId="{18517C0C-F932-4DEC-A939-384866859BEE}" type="pres">
       <dgm:prSet presAssocID="{BDDCFE36-909D-4934-922C-BF63E6E01415}" presName="connector3" presStyleLbl="sibTrans2D1" presStyleIdx="2" presStyleCnt="3"/>
       <dgm:spPr/>
+      <dgm:t>
+        <a:bodyPr/>
+        <a:lstStyle/>
+        <a:p>
+          <a:endParaRPr lang="en-US"/>
+        </a:p>
+      </dgm:t>
     </dgm:pt>
   </dgm:ptLst>
   <dgm:cxnLst>
@@ -1115,8 +1192,8 @@
     <dgm:cxn modelId="{2BC79B69-76A4-488C-B61E-407E3B4B2251}" type="presOf" srcId="{E19476BA-D473-459E-AD7E-3B62E62FFD1A}" destId="{9F6A5A26-FDB8-470A-9C31-99791918668E}" srcOrd="0" destOrd="0" presId="urn:microsoft.com/office/officeart/2005/8/layout/gear1"/>
     <dgm:cxn modelId="{C3EC1380-9EAE-4F56-96B3-83E68C6856EC}" type="presOf" srcId="{3C92112A-2896-4294-9208-C2F6EEC0ED6C}" destId="{AD0AEF2B-C839-4CEC-BEB6-6162EF55255D}" srcOrd="1" destOrd="0" presId="urn:microsoft.com/office/officeart/2005/8/layout/gear1"/>
     <dgm:cxn modelId="{653BF56C-3FA1-4705-A501-4950B2E39D47}" srcId="{2AC62D77-D958-4DF5-B17E-7197476A59E3}" destId="{3C92112A-2896-4294-9208-C2F6EEC0ED6C}" srcOrd="0" destOrd="0" parTransId="{7B2C1C67-E9FD-4ECB-A734-15190414E3B7}" sibTransId="{7411E1B3-5F88-4F59-A9FD-0F1A22705052}"/>
+    <dgm:cxn modelId="{2FF1DAB8-C976-40EA-9FC7-D3FD27EE10ED}" srcId="{2AC62D77-D958-4DF5-B17E-7197476A59E3}" destId="{E19476BA-D473-459E-AD7E-3B62E62FFD1A}" srcOrd="2" destOrd="0" parTransId="{96299B83-8396-41C0-B5AF-32F726B78A57}" sibTransId="{BDDCFE36-909D-4934-922C-BF63E6E01415}"/>
     <dgm:cxn modelId="{019E6F95-8083-4BEE-9605-6D2819BEA141}" type="presOf" srcId="{E19476BA-D473-459E-AD7E-3B62E62FFD1A}" destId="{928C58D3-3B55-4925-8C9D-48A78D57F012}" srcOrd="3" destOrd="0" presId="urn:microsoft.com/office/officeart/2005/8/layout/gear1"/>
-    <dgm:cxn modelId="{2FF1DAB8-C976-40EA-9FC7-D3FD27EE10ED}" srcId="{2AC62D77-D958-4DF5-B17E-7197476A59E3}" destId="{E19476BA-D473-459E-AD7E-3B62E62FFD1A}" srcOrd="2" destOrd="0" parTransId="{96299B83-8396-41C0-B5AF-32F726B78A57}" sibTransId="{BDDCFE36-909D-4934-922C-BF63E6E01415}"/>
     <dgm:cxn modelId="{791EBBE1-73E1-454D-A768-82BE05C998D0}" type="presOf" srcId="{3C92112A-2896-4294-9208-C2F6EEC0ED6C}" destId="{E2AB6D04-525B-49CD-9A37-3541D0D3E4C7}" srcOrd="0" destOrd="0" presId="urn:microsoft.com/office/officeart/2005/8/layout/gear1"/>
     <dgm:cxn modelId="{7437E1D1-1FEC-4A68-9922-BC933785FC37}" type="presOf" srcId="{2AC62D77-D958-4DF5-B17E-7197476A59E3}" destId="{C5916BDF-61ED-4671-96DF-B78801137E41}" srcOrd="0" destOrd="0" presId="urn:microsoft.com/office/officeart/2005/8/layout/gear1"/>
     <dgm:cxn modelId="{B0E502D7-1AAE-497F-80EA-ED036089832B}" type="presParOf" srcId="{C5916BDF-61ED-4671-96DF-B78801137E41}" destId="{E2AB6D04-525B-49CD-9A37-3541D0D3E4C7}" srcOrd="0" destOrd="0" presId="urn:microsoft.com/office/officeart/2005/8/layout/gear1"/>
@@ -3080,7 +3157,7 @@
           <a:p>
             <a:fld id="{2D75D97F-A954-4105-9D88-5A44BED655A9}" type="datetimeFigureOut">
               <a:rPr lang="en-US" smtClean="0"/>
-              <a:t>1/9/2015</a:t>
+              <a:t>1/10/2015</a:t>
             </a:fld>
             <a:endParaRPr lang="en-US"/>
           </a:p>
@@ -3763,7 +3840,7 @@
           <a:p>
             <a:fld id="{8E5E6C55-4190-4B24-AD9A-BBCD9DEC74CF}" type="datetime1">
               <a:rPr lang="id-ID" smtClean="0"/>
-              <a:t>09/01/2015</a:t>
+              <a:t>10/01/2015</a:t>
             </a:fld>
             <a:endParaRPr lang="en-US"/>
           </a:p>
@@ -4091,7 +4168,7 @@
           <a:p>
             <a:fld id="{BA23B886-15EC-4C54-8C03-ACA887B899E7}" type="datetime1">
               <a:rPr lang="id-ID" smtClean="0"/>
-              <a:t>09/01/2015</a:t>
+              <a:t>10/01/2015</a:t>
             </a:fld>
             <a:endParaRPr lang="en-US"/>
           </a:p>
@@ -4343,7 +4420,7 @@
           <a:p>
             <a:fld id="{CBC0C981-4DD5-4DE5-8F04-E3009399DBCD}" type="datetime1">
               <a:rPr lang="id-ID" smtClean="0"/>
-              <a:t>09/01/2015</a:t>
+              <a:t>10/01/2015</a:t>
             </a:fld>
             <a:endParaRPr lang="en-US"/>
           </a:p>
@@ -4686,7 +4763,7 @@
           <a:p>
             <a:fld id="{10F80468-51D5-4C8E-818B-B12270F2DEE9}" type="datetime1">
               <a:rPr lang="id-ID" smtClean="0"/>
-              <a:t>09/01/2015</a:t>
+              <a:t>10/01/2015</a:t>
             </a:fld>
             <a:endParaRPr lang="en-US"/>
           </a:p>
@@ -5037,7 +5114,7 @@
           <a:p>
             <a:fld id="{1FBBCEE5-DD05-4A92-A765-069453A3D6FA}" type="datetime1">
               <a:rPr lang="id-ID" smtClean="0"/>
-              <a:t>09/01/2015</a:t>
+              <a:t>10/01/2015</a:t>
             </a:fld>
             <a:endParaRPr lang="en-US"/>
           </a:p>
@@ -5415,7 +5492,7 @@
           <a:p>
             <a:fld id="{DB05FD53-AB54-4B75-8607-59598000B0BD}" type="datetime1">
               <a:rPr lang="id-ID" smtClean="0"/>
-              <a:t>09/01/2015</a:t>
+              <a:t>10/01/2015</a:t>
             </a:fld>
             <a:endParaRPr lang="en-US"/>
           </a:p>
@@ -5889,7 +5966,7 @@
           <a:p>
             <a:fld id="{7B1FBB79-32E3-4728-8E58-F18EE2A70542}" type="datetime1">
               <a:rPr lang="id-ID" smtClean="0"/>
-              <a:t>09/01/2015</a:t>
+              <a:t>10/01/2015</a:t>
             </a:fld>
             <a:endParaRPr lang="en-US"/>
           </a:p>
@@ -6098,7 +6175,7 @@
           <a:p>
             <a:fld id="{920DB2CD-1ABA-4C78-89F2-172FBE09F918}" type="datetime1">
               <a:rPr lang="id-ID" smtClean="0"/>
-              <a:t>09/01/2015</a:t>
+              <a:t>10/01/2015</a:t>
             </a:fld>
             <a:endParaRPr lang="en-US"/>
           </a:p>
@@ -6313,7 +6390,7 @@
           <a:p>
             <a:fld id="{B47B1FFD-7A32-410A-A597-CFEE068FDBBB}" type="datetime1">
               <a:rPr lang="id-ID" smtClean="0"/>
-              <a:t>09/01/2015</a:t>
+              <a:t>10/01/2015</a:t>
             </a:fld>
             <a:endParaRPr lang="en-US"/>
           </a:p>
@@ -6549,7 +6626,7 @@
           <a:p>
             <a:fld id="{55A3A354-9147-4009-B572-C5616413F1F5}" type="datetime1">
               <a:rPr lang="id-ID" smtClean="0"/>
-              <a:t>09/01/2015</a:t>
+              <a:t>10/01/2015</a:t>
             </a:fld>
             <a:endParaRPr lang="en-US"/>
           </a:p>
@@ -6801,7 +6878,7 @@
           <a:p>
             <a:fld id="{77705A6A-B6CF-4C1E-8565-B872768B91F8}" type="datetime1">
               <a:rPr lang="id-ID" smtClean="0"/>
-              <a:t>09/01/2015</a:t>
+              <a:t>10/01/2015</a:t>
             </a:fld>
             <a:endParaRPr lang="en-US"/>
           </a:p>
@@ -7103,7 +7180,7 @@
           <a:p>
             <a:fld id="{1C2BB0BD-7385-4118-9439-D4FF795581A6}" type="datetime1">
               <a:rPr lang="id-ID" smtClean="0"/>
-              <a:t>09/01/2015</a:t>
+              <a:t>10/01/2015</a:t>
             </a:fld>
             <a:endParaRPr lang="en-US"/>
           </a:p>
@@ -7501,7 +7578,7 @@
           <a:p>
             <a:fld id="{78ACE09F-A89C-4005-A38D-C979A56450AE}" type="datetime1">
               <a:rPr lang="id-ID" smtClean="0"/>
-              <a:t>09/01/2015</a:t>
+              <a:t>10/01/2015</a:t>
             </a:fld>
             <a:endParaRPr lang="en-US"/>
           </a:p>
@@ -7654,7 +7731,7 @@
           <a:p>
             <a:fld id="{C05E7D46-FE85-4F21-BFEF-6CE1E73CEE84}" type="datetime1">
               <a:rPr lang="id-ID" smtClean="0"/>
-              <a:t>09/01/2015</a:t>
+              <a:t>10/01/2015</a:t>
             </a:fld>
             <a:endParaRPr lang="en-US"/>
           </a:p>
@@ -7784,7 +7861,7 @@
           <a:p>
             <a:fld id="{73143A8B-5FD5-4282-A63B-D8BD5BD0092C}" type="datetime1">
               <a:rPr lang="id-ID" smtClean="0"/>
-              <a:t>09/01/2015</a:t>
+              <a:t>10/01/2015</a:t>
             </a:fld>
             <a:endParaRPr lang="en-US"/>
           </a:p>
@@ -8043,7 +8120,7 @@
           <a:p>
             <a:fld id="{3D28F9BC-D347-4D4C-B241-C9E27E4A337E}" type="datetime1">
               <a:rPr lang="id-ID" smtClean="0"/>
-              <a:t>09/01/2015</a:t>
+              <a:t>10/01/2015</a:t>
             </a:fld>
             <a:endParaRPr lang="en-US"/>
           </a:p>
@@ -8362,7 +8439,7 @@
           <a:p>
             <a:fld id="{5D5CA58E-9ED8-45D6-9D14-A35C32D3AE29}" type="datetime1">
               <a:rPr lang="id-ID" smtClean="0"/>
-              <a:t>09/01/2015</a:t>
+              <a:t>10/01/2015</a:t>
             </a:fld>
             <a:endParaRPr lang="en-US"/>
           </a:p>
@@ -8717,7 +8794,7 @@
           <a:p>
             <a:fld id="{96E9B824-FBE2-49AE-8C02-79649001B74B}" type="datetime1">
               <a:rPr lang="id-ID" smtClean="0"/>
-              <a:t>09/01/2015</a:t>
+              <a:t>10/01/2015</a:t>
             </a:fld>
             <a:endParaRPr lang="en-US"/>
           </a:p>
@@ -10066,6 +10143,493 @@
     <p:extLst>
       <p:ext uri="{BB962C8B-B14F-4D97-AF65-F5344CB8AC3E}">
         <p14:creationId xmlns:p14="http://schemas.microsoft.com/office/powerpoint/2010/main" val="1282330884"/>
+      </p:ext>
+    </p:extLst>
+  </p:cSld>
+  <p:clrMapOvr>
+    <a:masterClrMapping/>
+  </p:clrMapOvr>
+  <p:timing>
+    <p:tnLst>
+      <p:par>
+        <p:cTn id="1" dur="indefinite" restart="never" nodeType="tmRoot"/>
+      </p:par>
+    </p:tnLst>
+  </p:timing>
+</p:sld>
+</file>
+
+<file path=ppt/slides/slide11.xml><?xml version="1.0" encoding="utf-8"?>
+<p:sld xmlns:a="http://schemas.openxmlformats.org/drawingml/2006/main" xmlns:r="http://schemas.openxmlformats.org/officeDocument/2006/relationships" xmlns:p="http://schemas.openxmlformats.org/presentationml/2006/main">
+  <p:cSld>
+    <p:spTree>
+      <p:nvGrpSpPr>
+        <p:cNvPr id="1" name=""/>
+        <p:cNvGrpSpPr/>
+        <p:nvPr/>
+      </p:nvGrpSpPr>
+      <p:grpSpPr>
+        <a:xfrm>
+          <a:off x="0" y="0"/>
+          <a:ext cx="0" cy="0"/>
+          <a:chOff x="0" y="0"/>
+          <a:chExt cx="0" cy="0"/>
+        </a:xfrm>
+      </p:grpSpPr>
+      <p:sp>
+        <p:nvSpPr>
+          <p:cNvPr id="2" name="Title 1"/>
+          <p:cNvSpPr>
+            <a:spLocks noGrp="1"/>
+          </p:cNvSpPr>
+          <p:nvPr>
+            <p:ph type="title"/>
+          </p:nvPr>
+        </p:nvSpPr>
+        <p:spPr>
+          <a:xfrm>
+            <a:off x="1295402" y="982133"/>
+            <a:ext cx="9601196" cy="897468"/>
+          </a:xfrm>
+        </p:spPr>
+        <p:txBody>
+          <a:bodyPr>
+            <a:normAutofit/>
+          </a:bodyPr>
+          <a:lstStyle/>
+          <a:p>
+            <a:r>
+              <a:rPr lang="en-US" sz="3200" dirty="0"/>
+              <a:t>Interface SI Rental Mobil </a:t>
+            </a:r>
+            <a:r>
+              <a:rPr lang="en-US" sz="3200" dirty="0" smtClean="0"/>
+              <a:t>RPL(</a:t>
+            </a:r>
+            <a:r>
+              <a:rPr lang="en-US" sz="3200" dirty="0" smtClean="0">
+                <a:solidFill>
+                  <a:schemeClr val="accent1"/>
+                </a:solidFill>
+              </a:rPr>
+              <a:t>Cont</a:t>
+            </a:r>
+            <a:r>
+              <a:rPr lang="en-US" sz="3200" dirty="0" smtClean="0">
+                <a:solidFill>
+                  <a:schemeClr val="accent1"/>
+                </a:solidFill>
+              </a:rPr>
+              <a:t>..5</a:t>
+            </a:r>
+            <a:r>
+              <a:rPr lang="en-US" sz="3200" dirty="0" smtClean="0"/>
+              <a:t>)</a:t>
+            </a:r>
+            <a:endParaRPr lang="en-US" sz="3200" dirty="0"/>
+          </a:p>
+        </p:txBody>
+      </p:sp>
+      <p:sp>
+        <p:nvSpPr>
+          <p:cNvPr id="4" name="Footer Placeholder 3"/>
+          <p:cNvSpPr>
+            <a:spLocks noGrp="1"/>
+          </p:cNvSpPr>
+          <p:nvPr>
+            <p:ph type="ftr" sz="quarter" idx="11"/>
+          </p:nvPr>
+        </p:nvSpPr>
+        <p:spPr/>
+        <p:txBody>
+          <a:bodyPr/>
+          <a:lstStyle/>
+          <a:p>
+            <a:r>
+              <a:rPr lang="en-US" smtClean="0"/>
+              <a:t>Rekayasa Perangkat Lunak </a:t>
+            </a:r>
+            <a:endParaRPr lang="en-US"/>
+          </a:p>
+        </p:txBody>
+      </p:sp>
+      <p:sp>
+        <p:nvSpPr>
+          <p:cNvPr id="5" name="Slide Number Placeholder 4"/>
+          <p:cNvSpPr>
+            <a:spLocks noGrp="1"/>
+          </p:cNvSpPr>
+          <p:nvPr>
+            <p:ph type="sldNum" sz="quarter" idx="12"/>
+          </p:nvPr>
+        </p:nvSpPr>
+        <p:spPr/>
+        <p:txBody>
+          <a:bodyPr/>
+          <a:lstStyle/>
+          <a:p>
+            <a:fld id="{5938C874-458C-4ED4-A55A-9C2FCE15A54F}" type="slidenum">
+              <a:rPr lang="en-US" smtClean="0"/>
+              <a:t>11</a:t>
+            </a:fld>
+            <a:endParaRPr lang="en-US"/>
+          </a:p>
+        </p:txBody>
+      </p:sp>
+      <p:sp>
+        <p:nvSpPr>
+          <p:cNvPr id="7" name="Text Placeholder 6"/>
+          <p:cNvSpPr>
+            <a:spLocks noGrp="1"/>
+          </p:cNvSpPr>
+          <p:nvPr>
+            <p:ph type="body" sz="half" idx="4294967295"/>
+          </p:nvPr>
+        </p:nvSpPr>
+        <p:spPr>
+          <a:xfrm>
+            <a:off x="5084763" y="4307806"/>
+            <a:ext cx="9609137" cy="493713"/>
+          </a:xfrm>
+        </p:spPr>
+        <p:txBody>
+          <a:bodyPr>
+            <a:normAutofit lnSpcReduction="10000"/>
+          </a:bodyPr>
+          <a:lstStyle/>
+          <a:p>
+            <a:pPr marL="457200" indent="-457200">
+              <a:buFont typeface="Arial" panose="020B0604020202020204" pitchFamily="34" charset="0"/>
+              <a:buChar char="•"/>
+            </a:pPr>
+            <a:r>
+              <a:rPr lang="en-US" sz="2800" dirty="0"/>
+              <a:t>Form </a:t>
+            </a:r>
+            <a:r>
+              <a:rPr lang="en-US" sz="2800" dirty="0" err="1" smtClean="0"/>
+              <a:t>Referensi</a:t>
+            </a:r>
+            <a:r>
+              <a:rPr lang="en-US" sz="2800" dirty="0" smtClean="0"/>
+              <a:t> Mobil</a:t>
+            </a:r>
+            <a:endParaRPr lang="en-US" sz="2800" dirty="0"/>
+          </a:p>
+        </p:txBody>
+      </p:sp>
+      <p:pic>
+        <p:nvPicPr>
+          <p:cNvPr id="6" name="Content Placeholder 5"/>
+          <p:cNvPicPr>
+            <a:picLocks noGrp="1" noChangeAspect="1"/>
+          </p:cNvPicPr>
+          <p:nvPr>
+            <p:ph idx="1"/>
+          </p:nvPr>
+        </p:nvPicPr>
+        <p:blipFill>
+          <a:blip r:embed="rId2">
+            <a:extLst>
+              <a:ext uri="{28A0092B-C50C-407E-A947-70E740481C1C}">
+                <a14:useLocalDpi xmlns:a14="http://schemas.microsoft.com/office/drawing/2010/main" val="0"/>
+              </a:ext>
+            </a:extLst>
+          </a:blip>
+          <a:stretch>
+            <a:fillRect/>
+          </a:stretch>
+        </p:blipFill>
+        <p:spPr>
+          <a:xfrm>
+            <a:off x="4853101" y="2578101"/>
+            <a:ext cx="6591300" cy="1394471"/>
+          </a:xfrm>
+        </p:spPr>
+      </p:pic>
+      <p:pic>
+        <p:nvPicPr>
+          <p:cNvPr id="9" name="Picture 8"/>
+          <p:cNvPicPr>
+            <a:picLocks noChangeAspect="1"/>
+          </p:cNvPicPr>
+          <p:nvPr/>
+        </p:nvPicPr>
+        <p:blipFill>
+          <a:blip r:embed="rId3">
+            <a:extLst>
+              <a:ext uri="{28A0092B-C50C-407E-A947-70E740481C1C}">
+                <a14:useLocalDpi xmlns:a14="http://schemas.microsoft.com/office/drawing/2010/main" val="0"/>
+              </a:ext>
+            </a:extLst>
+          </a:blip>
+          <a:stretch>
+            <a:fillRect/>
+          </a:stretch>
+        </p:blipFill>
+        <p:spPr>
+          <a:xfrm>
+            <a:off x="879702" y="2487585"/>
+            <a:ext cx="3973399" cy="2652468"/>
+          </a:xfrm>
+          <a:prstGeom prst="rect">
+            <a:avLst/>
+          </a:prstGeom>
+        </p:spPr>
+      </p:pic>
+    </p:spTree>
+    <p:extLst>
+      <p:ext uri="{BB962C8B-B14F-4D97-AF65-F5344CB8AC3E}">
+        <p14:creationId xmlns:p14="http://schemas.microsoft.com/office/powerpoint/2010/main" val="3744479269"/>
+      </p:ext>
+    </p:extLst>
+  </p:cSld>
+  <p:clrMapOvr>
+    <a:masterClrMapping/>
+  </p:clrMapOvr>
+  <p:timing>
+    <p:tnLst>
+      <p:par>
+        <p:cTn id="1" dur="indefinite" restart="never" nodeType="tmRoot"/>
+      </p:par>
+    </p:tnLst>
+  </p:timing>
+</p:sld>
+</file>
+
+<file path=ppt/slides/slide12.xml><?xml version="1.0" encoding="utf-8"?>
+<p:sld xmlns:a="http://schemas.openxmlformats.org/drawingml/2006/main" xmlns:r="http://schemas.openxmlformats.org/officeDocument/2006/relationships" xmlns:p="http://schemas.openxmlformats.org/presentationml/2006/main">
+  <p:cSld>
+    <p:spTree>
+      <p:nvGrpSpPr>
+        <p:cNvPr id="1" name=""/>
+        <p:cNvGrpSpPr/>
+        <p:nvPr/>
+      </p:nvGrpSpPr>
+      <p:grpSpPr>
+        <a:xfrm>
+          <a:off x="0" y="0"/>
+          <a:ext cx="0" cy="0"/>
+          <a:chOff x="0" y="0"/>
+          <a:chExt cx="0" cy="0"/>
+        </a:xfrm>
+      </p:grpSpPr>
+      <p:sp>
+        <p:nvSpPr>
+          <p:cNvPr id="2" name="Title 1"/>
+          <p:cNvSpPr>
+            <a:spLocks noGrp="1"/>
+          </p:cNvSpPr>
+          <p:nvPr>
+            <p:ph type="title"/>
+          </p:nvPr>
+        </p:nvSpPr>
+        <p:spPr>
+          <a:xfrm>
+            <a:off x="965915" y="1323995"/>
+            <a:ext cx="4959437" cy="897468"/>
+          </a:xfrm>
+        </p:spPr>
+        <p:txBody>
+          <a:bodyPr>
+            <a:normAutofit fontScale="90000"/>
+          </a:bodyPr>
+          <a:lstStyle/>
+          <a:p>
+            <a:r>
+              <a:rPr lang="en-US" sz="3200" dirty="0"/>
+              <a:t>Interface SI Rental </a:t>
+            </a:r>
+            <a:r>
+              <a:rPr lang="en-US" sz="3200" dirty="0" smtClean="0"/>
+              <a:t/>
+            </a:r>
+            <a:br>
+              <a:rPr lang="en-US" sz="3200" dirty="0" smtClean="0"/>
+            </a:br>
+            <a:r>
+              <a:rPr lang="en-US" sz="3200" dirty="0" smtClean="0"/>
+              <a:t>Mobil </a:t>
+            </a:r>
+            <a:r>
+              <a:rPr lang="en-US" sz="3200" dirty="0" smtClean="0"/>
+              <a:t>RPL(</a:t>
+            </a:r>
+            <a:r>
+              <a:rPr lang="en-US" sz="3200" dirty="0" smtClean="0">
+                <a:solidFill>
+                  <a:schemeClr val="accent1"/>
+                </a:solidFill>
+              </a:rPr>
+              <a:t>Cont</a:t>
+            </a:r>
+            <a:r>
+              <a:rPr lang="en-US" sz="3200" dirty="0" smtClean="0">
+                <a:solidFill>
+                  <a:schemeClr val="accent1"/>
+                </a:solidFill>
+              </a:rPr>
+              <a:t>..6</a:t>
+            </a:r>
+            <a:r>
+              <a:rPr lang="en-US" sz="3200" dirty="0" smtClean="0"/>
+              <a:t>)</a:t>
+            </a:r>
+            <a:endParaRPr lang="en-US" sz="3200" dirty="0"/>
+          </a:p>
+        </p:txBody>
+      </p:sp>
+      <p:sp>
+        <p:nvSpPr>
+          <p:cNvPr id="4" name="Footer Placeholder 3"/>
+          <p:cNvSpPr>
+            <a:spLocks noGrp="1"/>
+          </p:cNvSpPr>
+          <p:nvPr>
+            <p:ph type="ftr" sz="quarter" idx="11"/>
+          </p:nvPr>
+        </p:nvSpPr>
+        <p:spPr/>
+        <p:txBody>
+          <a:bodyPr/>
+          <a:lstStyle/>
+          <a:p>
+            <a:r>
+              <a:rPr lang="en-US" smtClean="0"/>
+              <a:t>Rekayasa Perangkat Lunak </a:t>
+            </a:r>
+            <a:endParaRPr lang="en-US"/>
+          </a:p>
+        </p:txBody>
+      </p:sp>
+      <p:sp>
+        <p:nvSpPr>
+          <p:cNvPr id="5" name="Slide Number Placeholder 4"/>
+          <p:cNvSpPr>
+            <a:spLocks noGrp="1"/>
+          </p:cNvSpPr>
+          <p:nvPr>
+            <p:ph type="sldNum" sz="quarter" idx="12"/>
+          </p:nvPr>
+        </p:nvSpPr>
+        <p:spPr/>
+        <p:txBody>
+          <a:bodyPr/>
+          <a:lstStyle/>
+          <a:p>
+            <a:fld id="{5938C874-458C-4ED4-A55A-9C2FCE15A54F}" type="slidenum">
+              <a:rPr lang="en-US" smtClean="0"/>
+              <a:t>12</a:t>
+            </a:fld>
+            <a:endParaRPr lang="en-US"/>
+          </a:p>
+        </p:txBody>
+      </p:sp>
+      <p:sp>
+        <p:nvSpPr>
+          <p:cNvPr id="7" name="Text Placeholder 6"/>
+          <p:cNvSpPr>
+            <a:spLocks noGrp="1"/>
+          </p:cNvSpPr>
+          <p:nvPr>
+            <p:ph type="body" sz="half" idx="4294967295"/>
+          </p:nvPr>
+        </p:nvSpPr>
+        <p:spPr>
+          <a:xfrm>
+            <a:off x="1295401" y="3252407"/>
+            <a:ext cx="9609137" cy="493713"/>
+          </a:xfrm>
+        </p:spPr>
+        <p:txBody>
+          <a:bodyPr>
+            <a:normAutofit lnSpcReduction="10000"/>
+          </a:bodyPr>
+          <a:lstStyle/>
+          <a:p>
+            <a:pPr marL="457200" indent="-457200">
+              <a:buFont typeface="Arial" panose="020B0604020202020204" pitchFamily="34" charset="0"/>
+              <a:buChar char="•"/>
+            </a:pPr>
+            <a:r>
+              <a:rPr lang="en-US" sz="2800" dirty="0"/>
+              <a:t>Form </a:t>
+            </a:r>
+            <a:r>
+              <a:rPr lang="en-US" sz="2800" dirty="0" smtClean="0"/>
+              <a:t>Data Master</a:t>
+            </a:r>
+            <a:r>
+              <a:rPr lang="en-US" sz="2800" dirty="0" smtClean="0"/>
+              <a:t> Mobil</a:t>
+            </a:r>
+            <a:endParaRPr lang="en-US" sz="2800" dirty="0"/>
+          </a:p>
+        </p:txBody>
+      </p:sp>
+      <p:pic>
+        <p:nvPicPr>
+          <p:cNvPr id="8" name="Content Placeholder 7"/>
+          <p:cNvPicPr>
+            <a:picLocks noGrp="1" noChangeAspect="1"/>
+          </p:cNvPicPr>
+          <p:nvPr>
+            <p:ph idx="1"/>
+          </p:nvPr>
+        </p:nvPicPr>
+        <p:blipFill>
+          <a:blip r:embed="rId2">
+            <a:extLst>
+              <a:ext uri="{28A0092B-C50C-407E-A947-70E740481C1C}">
+                <a14:useLocalDpi xmlns:a14="http://schemas.microsoft.com/office/drawing/2010/main" val="0"/>
+              </a:ext>
+            </a:extLst>
+          </a:blip>
+          <a:stretch>
+            <a:fillRect/>
+          </a:stretch>
+        </p:blipFill>
+        <p:spPr>
+          <a:xfrm>
+            <a:off x="6383917" y="1353817"/>
+            <a:ext cx="4241332" cy="2642062"/>
+          </a:xfrm>
+        </p:spPr>
+      </p:pic>
+      <p:pic>
+        <p:nvPicPr>
+          <p:cNvPr id="10" name="Picture 9"/>
+          <p:cNvPicPr>
+            <a:picLocks noChangeAspect="1"/>
+          </p:cNvPicPr>
+          <p:nvPr/>
+        </p:nvPicPr>
+        <p:blipFill>
+          <a:blip r:embed="rId3">
+            <a:extLst>
+              <a:ext uri="{28A0092B-C50C-407E-A947-70E740481C1C}">
+                <a14:useLocalDpi xmlns:a14="http://schemas.microsoft.com/office/drawing/2010/main" val="0"/>
+              </a:ext>
+            </a:extLst>
+          </a:blip>
+          <a:stretch>
+            <a:fillRect/>
+          </a:stretch>
+        </p:blipFill>
+        <p:spPr>
+          <a:xfrm>
+            <a:off x="1500039" y="4245637"/>
+            <a:ext cx="9047758" cy="1223846"/>
+          </a:xfrm>
+          <a:prstGeom prst="rect">
+            <a:avLst/>
+          </a:prstGeom>
+        </p:spPr>
+      </p:pic>
+    </p:spTree>
+    <p:extLst>
+      <p:ext uri="{BB962C8B-B14F-4D97-AF65-F5344CB8AC3E}">
+        <p14:creationId xmlns:p14="http://schemas.microsoft.com/office/powerpoint/2010/main" val="2180364449"/>
       </p:ext>
     </p:extLst>
   </p:cSld>
